--- a/AnalysisOfAnArgument_JanaMilutinovic.pptx
+++ b/AnalysisOfAnArgument_JanaMilutinovic.pptx
@@ -105,6 +105,11 @@
       </a:defRPr>
     </a:lvl9pPr>
   </p:defaultTextStyle>
+  <p:extLst>
+    <p:ext uri="{EFAFB233-063F-42B5-8137-9DF3F51BA10A}">
+      <p15:sldGuideLst xmlns:p15="http://schemas.microsoft.com/office/powerpoint/2012/main"/>
+    </p:ext>
+  </p:extLst>
 </p:presentation>
 </file>
 
@@ -489,7 +494,7 @@
           <a:p>
             <a:fld id="{372A896E-9806-48B7-9D21-FA590AF08E32}" type="datetimeFigureOut">
               <a:rPr lang="en-GB" smtClean="0"/>
-              <a:t>26/01/2020</a:t>
+              <a:t>29/01/2020</a:t>
             </a:fld>
             <a:endParaRPr lang="en-GB"/>
           </a:p>
@@ -760,7 +765,7 @@
           <a:p>
             <a:fld id="{EDA98F85-6476-4F5D-87B9-B76E88A78029}" type="datetimeFigureOut">
               <a:rPr lang="en-GB" smtClean="0"/>
-              <a:t>26/01/2020</a:t>
+              <a:t>29/01/2020</a:t>
             </a:fld>
             <a:endParaRPr lang="en-GB"/>
           </a:p>
@@ -1010,7 +1015,7 @@
           <a:p>
             <a:fld id="{EDA98F85-6476-4F5D-87B9-B76E88A78029}" type="datetimeFigureOut">
               <a:rPr lang="en-GB" smtClean="0"/>
-              <a:t>26/01/2020</a:t>
+              <a:t>29/01/2020</a:t>
             </a:fld>
             <a:endParaRPr lang="en-GB"/>
           </a:p>
@@ -1318,7 +1323,7 @@
           <a:p>
             <a:fld id="{EDA98F85-6476-4F5D-87B9-B76E88A78029}" type="datetimeFigureOut">
               <a:rPr lang="en-GB" smtClean="0"/>
-              <a:t>26/01/2020</a:t>
+              <a:t>29/01/2020</a:t>
             </a:fld>
             <a:endParaRPr lang="en-GB"/>
           </a:p>
@@ -1636,7 +1641,7 @@
           <a:p>
             <a:fld id="{EDA98F85-6476-4F5D-87B9-B76E88A78029}" type="datetimeFigureOut">
               <a:rPr lang="en-GB" smtClean="0"/>
-              <a:t>26/01/2020</a:t>
+              <a:t>29/01/2020</a:t>
             </a:fld>
             <a:endParaRPr lang="en-GB"/>
           </a:p>
@@ -1938,7 +1943,7 @@
           <a:p>
             <a:fld id="{EDA98F85-6476-4F5D-87B9-B76E88A78029}" type="datetimeFigureOut">
               <a:rPr lang="en-GB" smtClean="0"/>
-              <a:t>26/01/2020</a:t>
+              <a:t>29/01/2020</a:t>
             </a:fld>
             <a:endParaRPr lang="en-GB"/>
           </a:p>
@@ -2305,7 +2310,7 @@
           <a:p>
             <a:fld id="{EDA98F85-6476-4F5D-87B9-B76E88A78029}" type="datetimeFigureOut">
               <a:rPr lang="en-GB" smtClean="0"/>
-              <a:t>26/01/2020</a:t>
+              <a:t>29/01/2020</a:t>
             </a:fld>
             <a:endParaRPr lang="en-GB"/>
           </a:p>
@@ -2491,7 +2496,7 @@
           <a:p>
             <a:fld id="{EDA98F85-6476-4F5D-87B9-B76E88A78029}" type="datetimeFigureOut">
               <a:rPr lang="en-GB" smtClean="0"/>
-              <a:t>26/01/2020</a:t>
+              <a:t>29/01/2020</a:t>
             </a:fld>
             <a:endParaRPr lang="en-GB"/>
           </a:p>
@@ -2677,7 +2682,7 @@
           <a:p>
             <a:fld id="{EDA98F85-6476-4F5D-87B9-B76E88A78029}" type="datetimeFigureOut">
               <a:rPr lang="en-GB" smtClean="0"/>
-              <a:t>26/01/2020</a:t>
+              <a:t>29/01/2020</a:t>
             </a:fld>
             <a:endParaRPr lang="en-GB"/>
           </a:p>
@@ -2857,7 +2862,7 @@
           <a:p>
             <a:fld id="{372A896E-9806-48B7-9D21-FA590AF08E32}" type="datetimeFigureOut">
               <a:rPr lang="en-GB" smtClean="0"/>
-              <a:t>26/01/2020</a:t>
+              <a:t>29/01/2020</a:t>
             </a:fld>
             <a:endParaRPr lang="en-GB"/>
           </a:p>
@@ -3107,7 +3112,7 @@
           <a:p>
             <a:fld id="{EDA98F85-6476-4F5D-87B9-B76E88A78029}" type="datetimeFigureOut">
               <a:rPr lang="en-GB" smtClean="0"/>
-              <a:t>26/01/2020</a:t>
+              <a:t>29/01/2020</a:t>
             </a:fld>
             <a:endParaRPr lang="en-GB"/>
           </a:p>
@@ -3354,7 +3359,7 @@
           <a:p>
             <a:fld id="{EDA98F85-6476-4F5D-87B9-B76E88A78029}" type="datetimeFigureOut">
               <a:rPr lang="en-GB" smtClean="0"/>
-              <a:t>26/01/2020</a:t>
+              <a:t>29/01/2020</a:t>
             </a:fld>
             <a:endParaRPr lang="en-GB"/>
           </a:p>
@@ -3743,7 +3748,7 @@
           <a:p>
             <a:fld id="{EDA98F85-6476-4F5D-87B9-B76E88A78029}" type="datetimeFigureOut">
               <a:rPr lang="en-GB" smtClean="0"/>
-              <a:t>26/01/2020</a:t>
+              <a:t>29/01/2020</a:t>
             </a:fld>
             <a:endParaRPr lang="en-GB"/>
           </a:p>
@@ -3872,7 +3877,7 @@
           <a:p>
             <a:fld id="{EDA98F85-6476-4F5D-87B9-B76E88A78029}" type="datetimeFigureOut">
               <a:rPr lang="en-GB" smtClean="0"/>
-              <a:t>26/01/2020</a:t>
+              <a:t>29/01/2020</a:t>
             </a:fld>
             <a:endParaRPr lang="en-GB"/>
           </a:p>
@@ -3967,7 +3972,7 @@
           <a:p>
             <a:fld id="{EDA98F85-6476-4F5D-87B9-B76E88A78029}" type="datetimeFigureOut">
               <a:rPr lang="en-GB" smtClean="0"/>
-              <a:t>26/01/2020</a:t>
+              <a:t>29/01/2020</a:t>
             </a:fld>
             <a:endParaRPr lang="en-GB"/>
           </a:p>
@@ -4222,7 +4227,7 @@
           <a:p>
             <a:fld id="{EDA98F85-6476-4F5D-87B9-B76E88A78029}" type="datetimeFigureOut">
               <a:rPr lang="en-GB" smtClean="0"/>
-              <a:t>26/01/2020</a:t>
+              <a:t>29/01/2020</a:t>
             </a:fld>
             <a:endParaRPr lang="en-GB"/>
           </a:p>
@@ -4505,7 +4510,7 @@
           <a:p>
             <a:fld id="{EDA98F85-6476-4F5D-87B9-B76E88A78029}" type="datetimeFigureOut">
               <a:rPr lang="en-GB" smtClean="0"/>
-              <a:t>26/01/2020</a:t>
+              <a:t>29/01/2020</a:t>
             </a:fld>
             <a:endParaRPr lang="en-GB"/>
           </a:p>
@@ -4916,7 +4921,7 @@
           <a:p>
             <a:fld id="{EDA98F85-6476-4F5D-87B9-B76E88A78029}" type="datetimeFigureOut">
               <a:rPr lang="en-GB" smtClean="0"/>
-              <a:t>26/01/2020</a:t>
+              <a:t>29/01/2020</a:t>
             </a:fld>
             <a:endParaRPr lang="en-GB"/>
           </a:p>
@@ -5454,7 +5459,7 @@
                 <a:lumMod val="164000"/>
               </a:schemeClr>
             </a:gs>
-            <a:gs pos="99000">
+            <a:gs pos="51000">
               <a:schemeClr val="bg2">
                 <a:shade val="96000"/>
                 <a:satMod val="120000"/>
@@ -5510,16 +5515,7 @@
                 </a:solidFill>
                 <a:cs typeface="Calibri" panose="020F0502020204030204" pitchFamily="34" charset="0"/>
               </a:rPr>
-              <a:t>“Companies benefit when they discourage employees from working extra hours or taking work home. </a:t>
-            </a:r>
-            <a:r>
-              <a:rPr lang="en-GB" sz="1800" cap="none" dirty="0">
-                <a:solidFill>
-                  <a:srgbClr val="E4CCB1"/>
-                </a:solidFill>
-                <a:cs typeface="Calibri" panose="020F0502020204030204" pitchFamily="34" charset="0"/>
-              </a:rPr>
-              <a:t>When</a:t>
+              <a:t>“Companies benefit when they discourage employees from working extra hours or taking work home. When</a:t>
             </a:r>
             <a:br>
               <a:rPr lang="en-GB" sz="1800" cap="none" dirty="0">
@@ -5707,7 +5703,7 @@
     <p:bg>
       <p:bgPr>
         <a:solidFill>
-          <a:srgbClr val="987F75"/>
+          <a:srgbClr val="6F564B"/>
         </a:solidFill>
         <a:effectLst/>
       </p:bgPr>
